--- a/backend/inputs/original.pptx
+++ b/backend/inputs/original.pptx
@@ -218,7 +218,7 @@
           <a:p>
             <a:fld id="{245399AD-8A10-4D6F-A285-36A0E4D274F4}" type="datetimeFigureOut">
               <a:rPr kumimoji="1" lang="ja-JP" altLang="en-US" smtClean="0"/>
-              <a:t>2023/4/7</a:t>
+              <a:t>2023/4/16</a:t>
             </a:fld>
             <a:endParaRPr kumimoji="1" lang="ja-JP" altLang="en-US"/>
           </a:p>
@@ -832,7 +832,7 @@
           <a:p>
             <a:fld id="{A74D7350-153A-42C5-BB78-C79D2B48DBB0}" type="datetimeFigureOut">
               <a:rPr kumimoji="1" lang="ja-JP" altLang="en-US" smtClean="0"/>
-              <a:t>2023/4/7</a:t>
+              <a:t>2023/4/16</a:t>
             </a:fld>
             <a:endParaRPr kumimoji="1" lang="ja-JP" altLang="en-US"/>
           </a:p>
@@ -1062,7 +1062,7 @@
           <a:p>
             <a:fld id="{A74D7350-153A-42C5-BB78-C79D2B48DBB0}" type="datetimeFigureOut">
               <a:rPr kumimoji="1" lang="ja-JP" altLang="en-US" smtClean="0"/>
-              <a:t>2023/4/7</a:t>
+              <a:t>2023/4/16</a:t>
             </a:fld>
             <a:endParaRPr kumimoji="1" lang="ja-JP" altLang="en-US"/>
           </a:p>
@@ -1302,7 +1302,7 @@
           <a:p>
             <a:fld id="{A74D7350-153A-42C5-BB78-C79D2B48DBB0}" type="datetimeFigureOut">
               <a:rPr kumimoji="1" lang="ja-JP" altLang="en-US" smtClean="0"/>
-              <a:t>2023/4/7</a:t>
+              <a:t>2023/4/16</a:t>
             </a:fld>
             <a:endParaRPr kumimoji="1" lang="ja-JP" altLang="en-US"/>
           </a:p>
@@ -1532,7 +1532,7 @@
           <a:p>
             <a:fld id="{A74D7350-153A-42C5-BB78-C79D2B48DBB0}" type="datetimeFigureOut">
               <a:rPr kumimoji="1" lang="ja-JP" altLang="en-US" smtClean="0"/>
-              <a:t>2023/4/7</a:t>
+              <a:t>2023/4/16</a:t>
             </a:fld>
             <a:endParaRPr kumimoji="1" lang="ja-JP" altLang="en-US"/>
           </a:p>
@@ -1853,7 +1853,7 @@
           <a:p>
             <a:fld id="{A74D7350-153A-42C5-BB78-C79D2B48DBB0}" type="datetimeFigureOut">
               <a:rPr kumimoji="1" lang="ja-JP" altLang="en-US" smtClean="0"/>
-              <a:t>2023/4/7</a:t>
+              <a:t>2023/4/16</a:t>
             </a:fld>
             <a:endParaRPr kumimoji="1" lang="ja-JP" altLang="en-US"/>
           </a:p>
@@ -2182,7 +2182,7 @@
           <a:p>
             <a:fld id="{A74D7350-153A-42C5-BB78-C79D2B48DBB0}" type="datetimeFigureOut">
               <a:rPr kumimoji="1" lang="ja-JP" altLang="en-US" smtClean="0"/>
-              <a:t>2023/4/7</a:t>
+              <a:t>2023/4/16</a:t>
             </a:fld>
             <a:endParaRPr kumimoji="1" lang="ja-JP" altLang="en-US"/>
           </a:p>
@@ -2658,7 +2658,7 @@
           <a:p>
             <a:fld id="{A74D7350-153A-42C5-BB78-C79D2B48DBB0}" type="datetimeFigureOut">
               <a:rPr kumimoji="1" lang="ja-JP" altLang="en-US" smtClean="0"/>
-              <a:t>2023/4/7</a:t>
+              <a:t>2023/4/16</a:t>
             </a:fld>
             <a:endParaRPr kumimoji="1" lang="ja-JP" altLang="en-US"/>
           </a:p>
@@ -2799,7 +2799,7 @@
           <a:p>
             <a:fld id="{A74D7350-153A-42C5-BB78-C79D2B48DBB0}" type="datetimeFigureOut">
               <a:rPr kumimoji="1" lang="ja-JP" altLang="en-US" smtClean="0"/>
-              <a:t>2023/4/7</a:t>
+              <a:t>2023/4/16</a:t>
             </a:fld>
             <a:endParaRPr kumimoji="1" lang="ja-JP" altLang="en-US"/>
           </a:p>
@@ -2912,7 +2912,7 @@
           <a:p>
             <a:fld id="{A74D7350-153A-42C5-BB78-C79D2B48DBB0}" type="datetimeFigureOut">
               <a:rPr kumimoji="1" lang="ja-JP" altLang="en-US" smtClean="0"/>
-              <a:t>2023/4/7</a:t>
+              <a:t>2023/4/16</a:t>
             </a:fld>
             <a:endParaRPr kumimoji="1" lang="ja-JP" altLang="en-US"/>
           </a:p>
@@ -3255,7 +3255,7 @@
           <a:p>
             <a:fld id="{A74D7350-153A-42C5-BB78-C79D2B48DBB0}" type="datetimeFigureOut">
               <a:rPr kumimoji="1" lang="ja-JP" altLang="en-US" smtClean="0"/>
-              <a:t>2023/4/7</a:t>
+              <a:t>2023/4/16</a:t>
             </a:fld>
             <a:endParaRPr kumimoji="1" lang="ja-JP" altLang="en-US"/>
           </a:p>
@@ -3543,7 +3543,7 @@
           <a:p>
             <a:fld id="{A74D7350-153A-42C5-BB78-C79D2B48DBB0}" type="datetimeFigureOut">
               <a:rPr kumimoji="1" lang="ja-JP" altLang="en-US" smtClean="0"/>
-              <a:t>2023/4/7</a:t>
+              <a:t>2023/4/16</a:t>
             </a:fld>
             <a:endParaRPr kumimoji="1" lang="ja-JP" altLang="en-US"/>
           </a:p>
@@ -3816,7 +3816,7 @@
           <a:p>
             <a:fld id="{A74D7350-153A-42C5-BB78-C79D2B48DBB0}" type="datetimeFigureOut">
               <a:rPr kumimoji="1" lang="ja-JP" altLang="en-US" smtClean="0"/>
-              <a:t>2023/4/7</a:t>
+              <a:t>2023/4/16</a:t>
             </a:fld>
             <a:endParaRPr kumimoji="1" lang="ja-JP" altLang="en-US"/>
           </a:p>
